--- a/main/vd/src/assets/design/设计稿.pptx
+++ b/main/vd/src/assets/design/设计稿.pptx
@@ -6,6 +6,7 @@
   </p:sldMasterIdLst>
   <p:sldIdLst>
     <p:sldId id="256" r:id="rId2"/>
+    <p:sldId id="257" r:id="rId3"/>
   </p:sldIdLst>
   <p:sldSz cx="12192000" cy="6858000"/>
   <p:notesSz cx="6858000" cy="9144000"/>
@@ -104,6 +105,11 @@
       </a:defRPr>
     </a:lvl9pPr>
   </p:defaultTextStyle>
+  <p:extLst>
+    <p:ext uri="{EFAFB233-063F-42B5-8137-9DF3F51BA10A}">
+      <p15:sldGuideLst xmlns:p15="http://schemas.microsoft.com/office/powerpoint/2012/main"/>
+    </p:ext>
+  </p:extLst>
 </p:presentation>
 </file>
 
@@ -254,7 +260,7 @@
           <a:p>
             <a:fld id="{0F2A404C-8321-4A67-9559-A80B1017C0F1}" type="datetimeFigureOut">
               <a:rPr lang="zh-CN" altLang="en-US" smtClean="0"/>
-              <a:t>2020/10/19</a:t>
+              <a:t>2020/10/25</a:t>
             </a:fld>
             <a:endParaRPr lang="zh-CN" altLang="en-US"/>
           </a:p>
@@ -452,7 +458,7 @@
           <a:p>
             <a:fld id="{0F2A404C-8321-4A67-9559-A80B1017C0F1}" type="datetimeFigureOut">
               <a:rPr lang="zh-CN" altLang="en-US" smtClean="0"/>
-              <a:t>2020/10/19</a:t>
+              <a:t>2020/10/25</a:t>
             </a:fld>
             <a:endParaRPr lang="zh-CN" altLang="en-US"/>
           </a:p>
@@ -660,7 +666,7 @@
           <a:p>
             <a:fld id="{0F2A404C-8321-4A67-9559-A80B1017C0F1}" type="datetimeFigureOut">
               <a:rPr lang="zh-CN" altLang="en-US" smtClean="0"/>
-              <a:t>2020/10/19</a:t>
+              <a:t>2020/10/25</a:t>
             </a:fld>
             <a:endParaRPr lang="zh-CN" altLang="en-US"/>
           </a:p>
@@ -858,7 +864,7 @@
           <a:p>
             <a:fld id="{0F2A404C-8321-4A67-9559-A80B1017C0F1}" type="datetimeFigureOut">
               <a:rPr lang="zh-CN" altLang="en-US" smtClean="0"/>
-              <a:t>2020/10/19</a:t>
+              <a:t>2020/10/25</a:t>
             </a:fld>
             <a:endParaRPr lang="zh-CN" altLang="en-US"/>
           </a:p>
@@ -1133,7 +1139,7 @@
           <a:p>
             <a:fld id="{0F2A404C-8321-4A67-9559-A80B1017C0F1}" type="datetimeFigureOut">
               <a:rPr lang="zh-CN" altLang="en-US" smtClean="0"/>
-              <a:t>2020/10/19</a:t>
+              <a:t>2020/10/25</a:t>
             </a:fld>
             <a:endParaRPr lang="zh-CN" altLang="en-US"/>
           </a:p>
@@ -1398,7 +1404,7 @@
           <a:p>
             <a:fld id="{0F2A404C-8321-4A67-9559-A80B1017C0F1}" type="datetimeFigureOut">
               <a:rPr lang="zh-CN" altLang="en-US" smtClean="0"/>
-              <a:t>2020/10/19</a:t>
+              <a:t>2020/10/25</a:t>
             </a:fld>
             <a:endParaRPr lang="zh-CN" altLang="en-US"/>
           </a:p>
@@ -1810,7 +1816,7 @@
           <a:p>
             <a:fld id="{0F2A404C-8321-4A67-9559-A80B1017C0F1}" type="datetimeFigureOut">
               <a:rPr lang="zh-CN" altLang="en-US" smtClean="0"/>
-              <a:t>2020/10/19</a:t>
+              <a:t>2020/10/25</a:t>
             </a:fld>
             <a:endParaRPr lang="zh-CN" altLang="en-US"/>
           </a:p>
@@ -1951,7 +1957,7 @@
           <a:p>
             <a:fld id="{0F2A404C-8321-4A67-9559-A80B1017C0F1}" type="datetimeFigureOut">
               <a:rPr lang="zh-CN" altLang="en-US" smtClean="0"/>
-              <a:t>2020/10/19</a:t>
+              <a:t>2020/10/25</a:t>
             </a:fld>
             <a:endParaRPr lang="zh-CN" altLang="en-US"/>
           </a:p>
@@ -2064,7 +2070,7 @@
           <a:p>
             <a:fld id="{0F2A404C-8321-4A67-9559-A80B1017C0F1}" type="datetimeFigureOut">
               <a:rPr lang="zh-CN" altLang="en-US" smtClean="0"/>
-              <a:t>2020/10/19</a:t>
+              <a:t>2020/10/25</a:t>
             </a:fld>
             <a:endParaRPr lang="zh-CN" altLang="en-US"/>
           </a:p>
@@ -2375,7 +2381,7 @@
           <a:p>
             <a:fld id="{0F2A404C-8321-4A67-9559-A80B1017C0F1}" type="datetimeFigureOut">
               <a:rPr lang="zh-CN" altLang="en-US" smtClean="0"/>
-              <a:t>2020/10/19</a:t>
+              <a:t>2020/10/25</a:t>
             </a:fld>
             <a:endParaRPr lang="zh-CN" altLang="en-US"/>
           </a:p>
@@ -2663,7 +2669,7 @@
           <a:p>
             <a:fld id="{0F2A404C-8321-4A67-9559-A80B1017C0F1}" type="datetimeFigureOut">
               <a:rPr lang="zh-CN" altLang="en-US" smtClean="0"/>
-              <a:t>2020/10/19</a:t>
+              <a:t>2020/10/25</a:t>
             </a:fld>
             <a:endParaRPr lang="zh-CN" altLang="en-US"/>
           </a:p>
@@ -2904,7 +2910,7 @@
           <a:p>
             <a:fld id="{0F2A404C-8321-4A67-9559-A80B1017C0F1}" type="datetimeFigureOut">
               <a:rPr lang="zh-CN" altLang="en-US" smtClean="0"/>
-              <a:t>2020/10/19</a:t>
+              <a:t>2020/10/25</a:t>
             </a:fld>
             <a:endParaRPr lang="zh-CN" altLang="en-US"/>
           </a:p>
@@ -4529,6 +4535,161 @@
 </p:sld>
 </file>
 
+<file path=ppt/slides/slide2.xml><?xml version="1.0" encoding="utf-8"?>
+<p:sld xmlns:a="http://schemas.openxmlformats.org/drawingml/2006/main" xmlns:r="http://schemas.openxmlformats.org/officeDocument/2006/relationships" xmlns:p="http://schemas.openxmlformats.org/presentationml/2006/main">
+  <p:cSld>
+    <p:spTree>
+      <p:nvGrpSpPr>
+        <p:cNvPr id="1" name=""/>
+        <p:cNvGrpSpPr/>
+        <p:nvPr/>
+      </p:nvGrpSpPr>
+      <p:grpSpPr>
+        <a:xfrm>
+          <a:off x="0" y="0"/>
+          <a:ext cx="0" cy="0"/>
+          <a:chOff x="0" y="0"/>
+          <a:chExt cx="0" cy="0"/>
+        </a:xfrm>
+      </p:grpSpPr>
+      <p:sp>
+        <p:nvSpPr>
+          <p:cNvPr id="4" name="矩形 3">
+            <a:extLst>
+              <a:ext uri="{FF2B5EF4-FFF2-40B4-BE49-F238E27FC236}">
+                <a16:creationId xmlns:a16="http://schemas.microsoft.com/office/drawing/2014/main" id="{A9229048-9206-411A-A83F-6CE9C5BAB8AC}"/>
+              </a:ext>
+            </a:extLst>
+          </p:cNvPr>
+          <p:cNvSpPr/>
+          <p:nvPr/>
+        </p:nvSpPr>
+        <p:spPr>
+          <a:xfrm>
+            <a:off x="2551471" y="1160206"/>
+            <a:ext cx="3175819" cy="3175819"/>
+          </a:xfrm>
+          <a:prstGeom prst="rect">
+            <a:avLst/>
+          </a:prstGeom>
+          <a:solidFill>
+            <a:schemeClr val="bg1">
+              <a:lumMod val="85000"/>
+            </a:schemeClr>
+          </a:solidFill>
+          <a:ln>
+            <a:noFill/>
+          </a:ln>
+        </p:spPr>
+        <p:style>
+          <a:lnRef idx="2">
+            <a:schemeClr val="accent1">
+              <a:shade val="50000"/>
+            </a:schemeClr>
+          </a:lnRef>
+          <a:fillRef idx="1">
+            <a:schemeClr val="accent1"/>
+          </a:fillRef>
+          <a:effectRef idx="0">
+            <a:schemeClr val="accent1"/>
+          </a:effectRef>
+          <a:fontRef idx="minor">
+            <a:schemeClr val="lt1"/>
+          </a:fontRef>
+        </p:style>
+        <p:txBody>
+          <a:bodyPr rtlCol="0" anchor="ctr"/>
+          <a:lstStyle/>
+          <a:p>
+            <a:pPr algn="ctr"/>
+            <a:endParaRPr lang="zh-CN" altLang="en-US"/>
+          </a:p>
+        </p:txBody>
+      </p:sp>
+      <p:sp>
+        <p:nvSpPr>
+          <p:cNvPr id="5" name="文本框 4">
+            <a:extLst>
+              <a:ext uri="{FF2B5EF4-FFF2-40B4-BE49-F238E27FC236}">
+                <a16:creationId xmlns:a16="http://schemas.microsoft.com/office/drawing/2014/main" id="{1F2AA435-3C36-4F8B-A02E-A8586EBC19B5}"/>
+              </a:ext>
+            </a:extLst>
+          </p:cNvPr>
+          <p:cNvSpPr txBox="1"/>
+          <p:nvPr/>
+        </p:nvSpPr>
+        <p:spPr>
+          <a:xfrm>
+            <a:off x="3195484" y="2563449"/>
+            <a:ext cx="2031325" cy="369332"/>
+          </a:xfrm>
+          <a:prstGeom prst="rect">
+            <a:avLst/>
+          </a:prstGeom>
+          <a:noFill/>
+        </p:spPr>
+        <p:txBody>
+          <a:bodyPr wrap="none" rtlCol="0">
+            <a:spAutoFit/>
+          </a:bodyPr>
+          <a:lstStyle/>
+          <a:p>
+            <a:r>
+              <a:rPr lang="zh-CN" altLang="en-US" dirty="0">
+                <a:solidFill>
+                  <a:schemeClr val="tx2"/>
+                </a:solidFill>
+                <a:latin typeface="思源黑体 CN Heavy" panose="020B0A00000000000000" pitchFamily="34" charset="-122"/>
+                <a:ea typeface="思源黑体 CN Heavy" panose="020B0A00000000000000" pitchFamily="34" charset="-122"/>
+              </a:rPr>
+              <a:t>没有找到封面图诶</a:t>
+            </a:r>
+          </a:p>
+        </p:txBody>
+      </p:sp>
+      <p:pic>
+        <p:nvPicPr>
+          <p:cNvPr id="7" name="图片 6">
+            <a:extLst>
+              <a:ext uri="{FF2B5EF4-FFF2-40B4-BE49-F238E27FC236}">
+                <a16:creationId xmlns:a16="http://schemas.microsoft.com/office/drawing/2014/main" id="{9B45A183-A839-41E0-A1E8-69C5AAAB1537}"/>
+              </a:ext>
+            </a:extLst>
+          </p:cNvPr>
+          <p:cNvPicPr>
+            <a:picLocks noChangeAspect="1"/>
+          </p:cNvPicPr>
+          <p:nvPr/>
+        </p:nvPicPr>
+        <p:blipFill>
+          <a:blip r:embed="rId2"/>
+          <a:stretch>
+            <a:fillRect/>
+          </a:stretch>
+        </p:blipFill>
+        <p:spPr>
+          <a:xfrm>
+            <a:off x="6867596" y="1673706"/>
+            <a:ext cx="3176291" cy="3176291"/>
+          </a:xfrm>
+          <a:prstGeom prst="rect">
+            <a:avLst/>
+          </a:prstGeom>
+        </p:spPr>
+      </p:pic>
+    </p:spTree>
+    <p:extLst>
+      <p:ext uri="{BB962C8B-B14F-4D97-AF65-F5344CB8AC3E}">
+        <p14:creationId xmlns:p14="http://schemas.microsoft.com/office/powerpoint/2010/main" val="2701386467"/>
+      </p:ext>
+    </p:extLst>
+  </p:cSld>
+  <p:clrMapOvr>
+    <a:masterClrMapping/>
+  </p:clrMapOvr>
+</p:sld>
+</file>
+
 <file path=ppt/theme/theme1.xml><?xml version="1.0" encoding="utf-8"?>
 <a:theme xmlns:a="http://schemas.openxmlformats.org/drawingml/2006/main" name="Office 主题​​">
   <a:themeElements>

--- a/main/vd/src/assets/design/设计稿.pptx
+++ b/main/vd/src/assets/design/设计稿.pptx
@@ -7,6 +7,8 @@
   <p:sldIdLst>
     <p:sldId id="256" r:id="rId2"/>
     <p:sldId id="257" r:id="rId3"/>
+    <p:sldId id="258" r:id="rId4"/>
+    <p:sldId id="259" r:id="rId5"/>
   </p:sldIdLst>
   <p:sldSz cx="12192000" cy="6858000"/>
   <p:notesSz cx="6858000" cy="9144000"/>
@@ -260,7 +262,7 @@
           <a:p>
             <a:fld id="{0F2A404C-8321-4A67-9559-A80B1017C0F1}" type="datetimeFigureOut">
               <a:rPr lang="zh-CN" altLang="en-US" smtClean="0"/>
-              <a:t>2020/10/25</a:t>
+              <a:t>2020/11/18</a:t>
             </a:fld>
             <a:endParaRPr lang="zh-CN" altLang="en-US"/>
           </a:p>
@@ -458,7 +460,7 @@
           <a:p>
             <a:fld id="{0F2A404C-8321-4A67-9559-A80B1017C0F1}" type="datetimeFigureOut">
               <a:rPr lang="zh-CN" altLang="en-US" smtClean="0"/>
-              <a:t>2020/10/25</a:t>
+              <a:t>2020/11/18</a:t>
             </a:fld>
             <a:endParaRPr lang="zh-CN" altLang="en-US"/>
           </a:p>
@@ -666,7 +668,7 @@
           <a:p>
             <a:fld id="{0F2A404C-8321-4A67-9559-A80B1017C0F1}" type="datetimeFigureOut">
               <a:rPr lang="zh-CN" altLang="en-US" smtClean="0"/>
-              <a:t>2020/10/25</a:t>
+              <a:t>2020/11/18</a:t>
             </a:fld>
             <a:endParaRPr lang="zh-CN" altLang="en-US"/>
           </a:p>
@@ -864,7 +866,7 @@
           <a:p>
             <a:fld id="{0F2A404C-8321-4A67-9559-A80B1017C0F1}" type="datetimeFigureOut">
               <a:rPr lang="zh-CN" altLang="en-US" smtClean="0"/>
-              <a:t>2020/10/25</a:t>
+              <a:t>2020/11/18</a:t>
             </a:fld>
             <a:endParaRPr lang="zh-CN" altLang="en-US"/>
           </a:p>
@@ -1139,7 +1141,7 @@
           <a:p>
             <a:fld id="{0F2A404C-8321-4A67-9559-A80B1017C0F1}" type="datetimeFigureOut">
               <a:rPr lang="zh-CN" altLang="en-US" smtClean="0"/>
-              <a:t>2020/10/25</a:t>
+              <a:t>2020/11/18</a:t>
             </a:fld>
             <a:endParaRPr lang="zh-CN" altLang="en-US"/>
           </a:p>
@@ -1404,7 +1406,7 @@
           <a:p>
             <a:fld id="{0F2A404C-8321-4A67-9559-A80B1017C0F1}" type="datetimeFigureOut">
               <a:rPr lang="zh-CN" altLang="en-US" smtClean="0"/>
-              <a:t>2020/10/25</a:t>
+              <a:t>2020/11/18</a:t>
             </a:fld>
             <a:endParaRPr lang="zh-CN" altLang="en-US"/>
           </a:p>
@@ -1816,7 +1818,7 @@
           <a:p>
             <a:fld id="{0F2A404C-8321-4A67-9559-A80B1017C0F1}" type="datetimeFigureOut">
               <a:rPr lang="zh-CN" altLang="en-US" smtClean="0"/>
-              <a:t>2020/10/25</a:t>
+              <a:t>2020/11/18</a:t>
             </a:fld>
             <a:endParaRPr lang="zh-CN" altLang="en-US"/>
           </a:p>
@@ -1957,7 +1959,7 @@
           <a:p>
             <a:fld id="{0F2A404C-8321-4A67-9559-A80B1017C0F1}" type="datetimeFigureOut">
               <a:rPr lang="zh-CN" altLang="en-US" smtClean="0"/>
-              <a:t>2020/10/25</a:t>
+              <a:t>2020/11/18</a:t>
             </a:fld>
             <a:endParaRPr lang="zh-CN" altLang="en-US"/>
           </a:p>
@@ -2070,7 +2072,7 @@
           <a:p>
             <a:fld id="{0F2A404C-8321-4A67-9559-A80B1017C0F1}" type="datetimeFigureOut">
               <a:rPr lang="zh-CN" altLang="en-US" smtClean="0"/>
-              <a:t>2020/10/25</a:t>
+              <a:t>2020/11/18</a:t>
             </a:fld>
             <a:endParaRPr lang="zh-CN" altLang="en-US"/>
           </a:p>
@@ -2381,7 +2383,7 @@
           <a:p>
             <a:fld id="{0F2A404C-8321-4A67-9559-A80B1017C0F1}" type="datetimeFigureOut">
               <a:rPr lang="zh-CN" altLang="en-US" smtClean="0"/>
-              <a:t>2020/10/25</a:t>
+              <a:t>2020/11/18</a:t>
             </a:fld>
             <a:endParaRPr lang="zh-CN" altLang="en-US"/>
           </a:p>
@@ -2669,7 +2671,7 @@
           <a:p>
             <a:fld id="{0F2A404C-8321-4A67-9559-A80B1017C0F1}" type="datetimeFigureOut">
               <a:rPr lang="zh-CN" altLang="en-US" smtClean="0"/>
-              <a:t>2020/10/25</a:t>
+              <a:t>2020/11/18</a:t>
             </a:fld>
             <a:endParaRPr lang="zh-CN" altLang="en-US"/>
           </a:p>
@@ -2910,7 +2912,7 @@
           <a:p>
             <a:fld id="{0F2A404C-8321-4A67-9559-A80B1017C0F1}" type="datetimeFigureOut">
               <a:rPr lang="zh-CN" altLang="en-US" smtClean="0"/>
-              <a:t>2020/10/25</a:t>
+              <a:t>2020/11/18</a:t>
             </a:fld>
             <a:endParaRPr lang="zh-CN" altLang="en-US"/>
           </a:p>
@@ -4690,6 +4692,1101 @@
 </p:sld>
 </file>
 
+<file path=ppt/slides/slide3.xml><?xml version="1.0" encoding="utf-8"?>
+<p:sld xmlns:a="http://schemas.openxmlformats.org/drawingml/2006/main" xmlns:r="http://schemas.openxmlformats.org/officeDocument/2006/relationships" xmlns:p="http://schemas.openxmlformats.org/presentationml/2006/main">
+  <p:cSld>
+    <p:spTree>
+      <p:nvGrpSpPr>
+        <p:cNvPr id="1" name=""/>
+        <p:cNvGrpSpPr/>
+        <p:nvPr/>
+      </p:nvGrpSpPr>
+      <p:grpSpPr>
+        <a:xfrm>
+          <a:off x="0" y="0"/>
+          <a:ext cx="0" cy="0"/>
+          <a:chOff x="0" y="0"/>
+          <a:chExt cx="0" cy="0"/>
+        </a:xfrm>
+      </p:grpSpPr>
+      <p:sp>
+        <p:nvSpPr>
+          <p:cNvPr id="5" name="星形: 五角 4">
+            <a:extLst>
+              <a:ext uri="{FF2B5EF4-FFF2-40B4-BE49-F238E27FC236}">
+                <a16:creationId xmlns:a16="http://schemas.microsoft.com/office/drawing/2014/main" id="{1E3456EC-5A77-4D81-B6EB-91C23F5958F9}"/>
+              </a:ext>
+            </a:extLst>
+          </p:cNvPr>
+          <p:cNvSpPr/>
+          <p:nvPr/>
+        </p:nvSpPr>
+        <p:spPr>
+          <a:xfrm>
+            <a:off x="1347018" y="275304"/>
+            <a:ext cx="2448232" cy="2005781"/>
+          </a:xfrm>
+          <a:prstGeom prst="star5">
+            <a:avLst>
+              <a:gd name="adj" fmla="val 25274"/>
+              <a:gd name="hf" fmla="val 105146"/>
+              <a:gd name="vf" fmla="val 110557"/>
+            </a:avLst>
+          </a:prstGeom>
+          <a:solidFill>
+            <a:srgbClr val="F2D70E"/>
+          </a:solidFill>
+          <a:ln>
+            <a:noFill/>
+          </a:ln>
+        </p:spPr>
+        <p:style>
+          <a:lnRef idx="2">
+            <a:schemeClr val="accent1">
+              <a:shade val="50000"/>
+            </a:schemeClr>
+          </a:lnRef>
+          <a:fillRef idx="1">
+            <a:schemeClr val="accent1"/>
+          </a:fillRef>
+          <a:effectRef idx="0">
+            <a:schemeClr val="accent1"/>
+          </a:effectRef>
+          <a:fontRef idx="minor">
+            <a:schemeClr val="lt1"/>
+          </a:fontRef>
+        </p:style>
+        <p:txBody>
+          <a:bodyPr rtlCol="0" anchor="ctr"/>
+          <a:lstStyle/>
+          <a:p>
+            <a:pPr algn="ctr"/>
+            <a:endParaRPr lang="zh-CN" altLang="en-US"/>
+          </a:p>
+        </p:txBody>
+      </p:sp>
+      <p:sp>
+        <p:nvSpPr>
+          <p:cNvPr id="4" name="矩形: 圆顶角 3">
+            <a:extLst>
+              <a:ext uri="{FF2B5EF4-FFF2-40B4-BE49-F238E27FC236}">
+                <a16:creationId xmlns:a16="http://schemas.microsoft.com/office/drawing/2014/main" id="{29B0A697-2B5B-4EB5-AE36-B6C70C282123}"/>
+              </a:ext>
+            </a:extLst>
+          </p:cNvPr>
+          <p:cNvSpPr/>
+          <p:nvPr/>
+        </p:nvSpPr>
+        <p:spPr>
+          <a:xfrm flipV="1">
+            <a:off x="1302771" y="2015615"/>
+            <a:ext cx="2536723" cy="1297857"/>
+          </a:xfrm>
+          <a:prstGeom prst="round2SameRect">
+            <a:avLst>
+              <a:gd name="adj1" fmla="val 50000"/>
+              <a:gd name="adj2" fmla="val 0"/>
+            </a:avLst>
+          </a:prstGeom>
+          <a:solidFill>
+            <a:srgbClr val="E1B151"/>
+          </a:solidFill>
+          <a:ln>
+            <a:noFill/>
+          </a:ln>
+        </p:spPr>
+        <p:style>
+          <a:lnRef idx="2">
+            <a:schemeClr val="accent1">
+              <a:shade val="50000"/>
+            </a:schemeClr>
+          </a:lnRef>
+          <a:fillRef idx="1">
+            <a:schemeClr val="accent1"/>
+          </a:fillRef>
+          <a:effectRef idx="0">
+            <a:schemeClr val="accent1"/>
+          </a:effectRef>
+          <a:fontRef idx="minor">
+            <a:schemeClr val="lt1"/>
+          </a:fontRef>
+        </p:style>
+        <p:txBody>
+          <a:bodyPr rtlCol="0" anchor="ctr"/>
+          <a:lstStyle/>
+          <a:p>
+            <a:pPr algn="ctr"/>
+            <a:endParaRPr lang="zh-CN" altLang="en-US"/>
+          </a:p>
+        </p:txBody>
+      </p:sp>
+      <p:sp>
+        <p:nvSpPr>
+          <p:cNvPr id="6" name="矩形: 圆角 5">
+            <a:extLst>
+              <a:ext uri="{FF2B5EF4-FFF2-40B4-BE49-F238E27FC236}">
+                <a16:creationId xmlns:a16="http://schemas.microsoft.com/office/drawing/2014/main" id="{76C46B06-B330-422C-AD6C-C27F07ADE642}"/>
+              </a:ext>
+            </a:extLst>
+          </p:cNvPr>
+          <p:cNvSpPr/>
+          <p:nvPr/>
+        </p:nvSpPr>
+        <p:spPr>
+          <a:xfrm>
+            <a:off x="5275006" y="1396182"/>
+            <a:ext cx="2172929" cy="1917290"/>
+          </a:xfrm>
+          <a:prstGeom prst="roundRect">
+            <a:avLst/>
+          </a:prstGeom>
+          <a:solidFill>
+            <a:schemeClr val="accent2">
+              <a:lumMod val="40000"/>
+              <a:lumOff val="60000"/>
+            </a:schemeClr>
+          </a:solidFill>
+          <a:ln>
+            <a:noFill/>
+          </a:ln>
+        </p:spPr>
+        <p:style>
+          <a:lnRef idx="2">
+            <a:schemeClr val="accent1">
+              <a:shade val="50000"/>
+            </a:schemeClr>
+          </a:lnRef>
+          <a:fillRef idx="1">
+            <a:schemeClr val="accent1"/>
+          </a:fillRef>
+          <a:effectRef idx="0">
+            <a:schemeClr val="accent1"/>
+          </a:effectRef>
+          <a:fontRef idx="minor">
+            <a:schemeClr val="lt1"/>
+          </a:fontRef>
+        </p:style>
+        <p:txBody>
+          <a:bodyPr rtlCol="0" anchor="ctr"/>
+          <a:lstStyle/>
+          <a:p>
+            <a:pPr algn="ctr"/>
+            <a:endParaRPr lang="zh-CN" altLang="en-US"/>
+          </a:p>
+        </p:txBody>
+      </p:sp>
+      <p:sp>
+        <p:nvSpPr>
+          <p:cNvPr id="7" name="矩形: 圆角 6">
+            <a:extLst>
+              <a:ext uri="{FF2B5EF4-FFF2-40B4-BE49-F238E27FC236}">
+                <a16:creationId xmlns:a16="http://schemas.microsoft.com/office/drawing/2014/main" id="{87434407-A2CE-402C-8020-CFDB7C17581F}"/>
+              </a:ext>
+            </a:extLst>
+          </p:cNvPr>
+          <p:cNvSpPr/>
+          <p:nvPr/>
+        </p:nvSpPr>
+        <p:spPr>
+          <a:xfrm>
+            <a:off x="6459793" y="570272"/>
+            <a:ext cx="988142" cy="1917290"/>
+          </a:xfrm>
+          <a:prstGeom prst="roundRect">
+            <a:avLst/>
+          </a:prstGeom>
+          <a:solidFill>
+            <a:schemeClr val="accent2">
+              <a:lumMod val="40000"/>
+              <a:lumOff val="60000"/>
+            </a:schemeClr>
+          </a:solidFill>
+          <a:ln>
+            <a:noFill/>
+          </a:ln>
+        </p:spPr>
+        <p:style>
+          <a:lnRef idx="2">
+            <a:schemeClr val="accent1">
+              <a:shade val="50000"/>
+            </a:schemeClr>
+          </a:lnRef>
+          <a:fillRef idx="1">
+            <a:schemeClr val="accent1"/>
+          </a:fillRef>
+          <a:effectRef idx="0">
+            <a:schemeClr val="accent1"/>
+          </a:effectRef>
+          <a:fontRef idx="minor">
+            <a:schemeClr val="lt1"/>
+          </a:fontRef>
+        </p:style>
+        <p:txBody>
+          <a:bodyPr rtlCol="0" anchor="ctr"/>
+          <a:lstStyle/>
+          <a:p>
+            <a:pPr algn="ctr"/>
+            <a:endParaRPr lang="zh-CN" altLang="en-US"/>
+          </a:p>
+        </p:txBody>
+      </p:sp>
+      <p:sp>
+        <p:nvSpPr>
+          <p:cNvPr id="8" name="椭圆 7">
+            <a:extLst>
+              <a:ext uri="{FF2B5EF4-FFF2-40B4-BE49-F238E27FC236}">
+                <a16:creationId xmlns:a16="http://schemas.microsoft.com/office/drawing/2014/main" id="{72B80B36-7A35-45CC-A0CA-7CB7E8270CFD}"/>
+              </a:ext>
+            </a:extLst>
+          </p:cNvPr>
+          <p:cNvSpPr/>
+          <p:nvPr/>
+        </p:nvSpPr>
+        <p:spPr>
+          <a:xfrm>
+            <a:off x="9257071" y="570272"/>
+            <a:ext cx="855407" cy="855407"/>
+          </a:xfrm>
+          <a:prstGeom prst="ellipse">
+            <a:avLst/>
+          </a:prstGeom>
+          <a:solidFill>
+            <a:srgbClr val="DD094B"/>
+          </a:solidFill>
+          <a:ln>
+            <a:noFill/>
+          </a:ln>
+        </p:spPr>
+        <p:style>
+          <a:lnRef idx="2">
+            <a:schemeClr val="accent1">
+              <a:shade val="50000"/>
+            </a:schemeClr>
+          </a:lnRef>
+          <a:fillRef idx="1">
+            <a:schemeClr val="accent1"/>
+          </a:fillRef>
+          <a:effectRef idx="0">
+            <a:schemeClr val="accent1"/>
+          </a:effectRef>
+          <a:fontRef idx="minor">
+            <a:schemeClr val="lt1"/>
+          </a:fontRef>
+        </p:style>
+        <p:txBody>
+          <a:bodyPr rtlCol="0" anchor="ctr"/>
+          <a:lstStyle/>
+          <a:p>
+            <a:pPr algn="ctr"/>
+            <a:endParaRPr lang="zh-CN" altLang="en-US"/>
+          </a:p>
+        </p:txBody>
+      </p:sp>
+      <p:sp>
+        <p:nvSpPr>
+          <p:cNvPr id="9" name="椭圆 8">
+            <a:extLst>
+              <a:ext uri="{FF2B5EF4-FFF2-40B4-BE49-F238E27FC236}">
+                <a16:creationId xmlns:a16="http://schemas.microsoft.com/office/drawing/2014/main" id="{77EB733E-C1F0-4092-8B55-D79B4C429CC3}"/>
+              </a:ext>
+            </a:extLst>
+          </p:cNvPr>
+          <p:cNvSpPr/>
+          <p:nvPr/>
+        </p:nvSpPr>
+        <p:spPr>
+          <a:xfrm>
+            <a:off x="9429136" y="2197511"/>
+            <a:ext cx="855407" cy="855407"/>
+          </a:xfrm>
+          <a:prstGeom prst="ellipse">
+            <a:avLst/>
+          </a:prstGeom>
+          <a:solidFill>
+            <a:srgbClr val="DD094B"/>
+          </a:solidFill>
+          <a:ln>
+            <a:noFill/>
+          </a:ln>
+        </p:spPr>
+        <p:style>
+          <a:lnRef idx="2">
+            <a:schemeClr val="accent1">
+              <a:shade val="50000"/>
+            </a:schemeClr>
+          </a:lnRef>
+          <a:fillRef idx="1">
+            <a:schemeClr val="accent1"/>
+          </a:fillRef>
+          <a:effectRef idx="0">
+            <a:schemeClr val="accent1"/>
+          </a:effectRef>
+          <a:fontRef idx="minor">
+            <a:schemeClr val="lt1"/>
+          </a:fontRef>
+        </p:style>
+        <p:txBody>
+          <a:bodyPr rtlCol="0" anchor="ctr"/>
+          <a:lstStyle/>
+          <a:p>
+            <a:pPr algn="ctr"/>
+            <a:endParaRPr lang="zh-CN" altLang="en-US"/>
+          </a:p>
+        </p:txBody>
+      </p:sp>
+      <p:sp>
+        <p:nvSpPr>
+          <p:cNvPr id="10" name="椭圆 9">
+            <a:extLst>
+              <a:ext uri="{FF2B5EF4-FFF2-40B4-BE49-F238E27FC236}">
+                <a16:creationId xmlns:a16="http://schemas.microsoft.com/office/drawing/2014/main" id="{2B6EC1F5-D09B-4716-83C5-FFFC99E9CD01}"/>
+              </a:ext>
+            </a:extLst>
+          </p:cNvPr>
+          <p:cNvSpPr/>
+          <p:nvPr/>
+        </p:nvSpPr>
+        <p:spPr>
+          <a:xfrm>
+            <a:off x="10712247" y="1469924"/>
+            <a:ext cx="855407" cy="855407"/>
+          </a:xfrm>
+          <a:prstGeom prst="ellipse">
+            <a:avLst/>
+          </a:prstGeom>
+          <a:solidFill>
+            <a:srgbClr val="DD094B"/>
+          </a:solidFill>
+          <a:ln>
+            <a:noFill/>
+          </a:ln>
+        </p:spPr>
+        <p:style>
+          <a:lnRef idx="2">
+            <a:schemeClr val="accent1">
+              <a:shade val="50000"/>
+            </a:schemeClr>
+          </a:lnRef>
+          <a:fillRef idx="1">
+            <a:schemeClr val="accent1"/>
+          </a:fillRef>
+          <a:effectRef idx="0">
+            <a:schemeClr val="accent1"/>
+          </a:effectRef>
+          <a:fontRef idx="minor">
+            <a:schemeClr val="lt1"/>
+          </a:fontRef>
+        </p:style>
+        <p:txBody>
+          <a:bodyPr rtlCol="0" anchor="ctr"/>
+          <a:lstStyle/>
+          <a:p>
+            <a:pPr algn="ctr"/>
+            <a:endParaRPr lang="zh-CN" altLang="en-US"/>
+          </a:p>
+        </p:txBody>
+      </p:sp>
+      <p:cxnSp>
+        <p:nvCxnSpPr>
+          <p:cNvPr id="13" name="直接连接符 12">
+            <a:extLst>
+              <a:ext uri="{FF2B5EF4-FFF2-40B4-BE49-F238E27FC236}">
+                <a16:creationId xmlns:a16="http://schemas.microsoft.com/office/drawing/2014/main" id="{E6B9B6FC-848B-4779-9653-89F360D60D6F}"/>
+              </a:ext>
+            </a:extLst>
+          </p:cNvPr>
+          <p:cNvCxnSpPr>
+            <a:cxnSpLocks/>
+            <a:stCxn id="8" idx="0"/>
+            <a:endCxn id="9" idx="4"/>
+          </p:cNvCxnSpPr>
+          <p:nvPr/>
+        </p:nvCxnSpPr>
+        <p:spPr>
+          <a:xfrm>
+            <a:off x="9684775" y="570272"/>
+            <a:ext cx="172065" cy="2482646"/>
+          </a:xfrm>
+          <a:prstGeom prst="line">
+            <a:avLst/>
+          </a:prstGeom>
+          <a:ln w="76200">
+            <a:solidFill>
+              <a:srgbClr val="DD094B"/>
+            </a:solidFill>
+          </a:ln>
+        </p:spPr>
+        <p:style>
+          <a:lnRef idx="1">
+            <a:schemeClr val="accent1"/>
+          </a:lnRef>
+          <a:fillRef idx="0">
+            <a:schemeClr val="accent1"/>
+          </a:fillRef>
+          <a:effectRef idx="0">
+            <a:schemeClr val="accent1"/>
+          </a:effectRef>
+          <a:fontRef idx="minor">
+            <a:schemeClr val="tx1"/>
+          </a:fontRef>
+        </p:style>
+      </p:cxnSp>
+      <p:cxnSp>
+        <p:nvCxnSpPr>
+          <p:cNvPr id="15" name="直接连接符 14">
+            <a:extLst>
+              <a:ext uri="{FF2B5EF4-FFF2-40B4-BE49-F238E27FC236}">
+                <a16:creationId xmlns:a16="http://schemas.microsoft.com/office/drawing/2014/main" id="{B16408A9-567A-43F7-9E61-ABBF2D7D7537}"/>
+              </a:ext>
+            </a:extLst>
+          </p:cNvPr>
+          <p:cNvCxnSpPr>
+            <a:cxnSpLocks/>
+          </p:cNvCxnSpPr>
+          <p:nvPr/>
+        </p:nvCxnSpPr>
+        <p:spPr>
+          <a:xfrm>
+            <a:off x="9615948" y="850490"/>
+            <a:ext cx="1524002" cy="961105"/>
+          </a:xfrm>
+          <a:prstGeom prst="line">
+            <a:avLst/>
+          </a:prstGeom>
+          <a:ln w="76200">
+            <a:solidFill>
+              <a:srgbClr val="DD094B"/>
+            </a:solidFill>
+          </a:ln>
+        </p:spPr>
+        <p:style>
+          <a:lnRef idx="1">
+            <a:schemeClr val="accent1"/>
+          </a:lnRef>
+          <a:fillRef idx="0">
+            <a:schemeClr val="accent1"/>
+          </a:fillRef>
+          <a:effectRef idx="0">
+            <a:schemeClr val="accent1"/>
+          </a:effectRef>
+          <a:fontRef idx="minor">
+            <a:schemeClr val="tx1"/>
+          </a:fontRef>
+        </p:style>
+      </p:cxnSp>
+      <p:sp>
+        <p:nvSpPr>
+          <p:cNvPr id="27" name="六边形 26">
+            <a:extLst>
+              <a:ext uri="{FF2B5EF4-FFF2-40B4-BE49-F238E27FC236}">
+                <a16:creationId xmlns:a16="http://schemas.microsoft.com/office/drawing/2014/main" id="{B5B27DF4-0F72-4AF8-92D9-2CECED4B4BE6}"/>
+              </a:ext>
+            </a:extLst>
+          </p:cNvPr>
+          <p:cNvSpPr/>
+          <p:nvPr/>
+        </p:nvSpPr>
+        <p:spPr>
+          <a:xfrm rot="5400000">
+            <a:off x="1509250" y="4444184"/>
+            <a:ext cx="2123767" cy="1830834"/>
+          </a:xfrm>
+          <a:prstGeom prst="hexagon">
+            <a:avLst/>
+          </a:prstGeom>
+          <a:solidFill>
+            <a:srgbClr val="92D050"/>
+          </a:solidFill>
+          <a:ln>
+            <a:solidFill>
+              <a:srgbClr val="92D050"/>
+            </a:solidFill>
+          </a:ln>
+        </p:spPr>
+        <p:style>
+          <a:lnRef idx="2">
+            <a:schemeClr val="accent1">
+              <a:shade val="50000"/>
+            </a:schemeClr>
+          </a:lnRef>
+          <a:fillRef idx="1">
+            <a:schemeClr val="accent1"/>
+          </a:fillRef>
+          <a:effectRef idx="0">
+            <a:schemeClr val="accent1"/>
+          </a:effectRef>
+          <a:fontRef idx="minor">
+            <a:schemeClr val="lt1"/>
+          </a:fontRef>
+        </p:style>
+        <p:txBody>
+          <a:bodyPr rtlCol="0" anchor="ctr"/>
+          <a:lstStyle/>
+          <a:p>
+            <a:pPr algn="ctr"/>
+            <a:endParaRPr lang="zh-CN" altLang="en-US"/>
+          </a:p>
+        </p:txBody>
+      </p:sp>
+      <p:sp>
+        <p:nvSpPr>
+          <p:cNvPr id="28" name="椭圆 27">
+            <a:extLst>
+              <a:ext uri="{FF2B5EF4-FFF2-40B4-BE49-F238E27FC236}">
+                <a16:creationId xmlns:a16="http://schemas.microsoft.com/office/drawing/2014/main" id="{EF06918B-60E8-4388-9ADF-1E853C1DF468}"/>
+              </a:ext>
+            </a:extLst>
+          </p:cNvPr>
+          <p:cNvSpPr/>
+          <p:nvPr/>
+        </p:nvSpPr>
+        <p:spPr>
+          <a:xfrm>
+            <a:off x="6027174" y="4399935"/>
+            <a:ext cx="865239" cy="865239"/>
+          </a:xfrm>
+          <a:prstGeom prst="ellipse">
+            <a:avLst/>
+          </a:prstGeom>
+          <a:solidFill>
+            <a:srgbClr val="0070C0"/>
+          </a:solidFill>
+          <a:ln>
+            <a:noFill/>
+          </a:ln>
+        </p:spPr>
+        <p:style>
+          <a:lnRef idx="2">
+            <a:schemeClr val="accent1">
+              <a:shade val="50000"/>
+            </a:schemeClr>
+          </a:lnRef>
+          <a:fillRef idx="1">
+            <a:schemeClr val="accent1"/>
+          </a:fillRef>
+          <a:effectRef idx="0">
+            <a:schemeClr val="accent1"/>
+          </a:effectRef>
+          <a:fontRef idx="minor">
+            <a:schemeClr val="lt1"/>
+          </a:fontRef>
+        </p:style>
+        <p:txBody>
+          <a:bodyPr rtlCol="0" anchor="ctr"/>
+          <a:lstStyle/>
+          <a:p>
+            <a:pPr algn="ctr"/>
+            <a:endParaRPr lang="zh-CN" altLang="en-US"/>
+          </a:p>
+        </p:txBody>
+      </p:sp>
+      <p:sp>
+        <p:nvSpPr>
+          <p:cNvPr id="29" name="等腰三角形 28">
+            <a:extLst>
+              <a:ext uri="{FF2B5EF4-FFF2-40B4-BE49-F238E27FC236}">
+                <a16:creationId xmlns:a16="http://schemas.microsoft.com/office/drawing/2014/main" id="{CFA9FF19-A515-45E4-921C-8BFC650140AC}"/>
+              </a:ext>
+            </a:extLst>
+          </p:cNvPr>
+          <p:cNvSpPr/>
+          <p:nvPr/>
+        </p:nvSpPr>
+        <p:spPr>
+          <a:xfrm>
+            <a:off x="5758359" y="5078360"/>
+            <a:ext cx="1402867" cy="1209368"/>
+          </a:xfrm>
+          <a:prstGeom prst="triangle">
+            <a:avLst/>
+          </a:prstGeom>
+          <a:solidFill>
+            <a:srgbClr val="0070C0"/>
+          </a:solidFill>
+          <a:ln>
+            <a:noFill/>
+          </a:ln>
+        </p:spPr>
+        <p:style>
+          <a:lnRef idx="2">
+            <a:schemeClr val="accent1">
+              <a:shade val="50000"/>
+            </a:schemeClr>
+          </a:lnRef>
+          <a:fillRef idx="1">
+            <a:schemeClr val="accent1"/>
+          </a:fillRef>
+          <a:effectRef idx="0">
+            <a:schemeClr val="accent1"/>
+          </a:effectRef>
+          <a:fontRef idx="minor">
+            <a:schemeClr val="lt1"/>
+          </a:fontRef>
+        </p:style>
+        <p:txBody>
+          <a:bodyPr rtlCol="0" anchor="ctr"/>
+          <a:lstStyle/>
+          <a:p>
+            <a:pPr algn="ctr"/>
+            <a:endParaRPr lang="zh-CN" altLang="en-US"/>
+          </a:p>
+        </p:txBody>
+      </p:sp>
+      <p:sp>
+        <p:nvSpPr>
+          <p:cNvPr id="30" name="箭头: 左 29">
+            <a:extLst>
+              <a:ext uri="{FF2B5EF4-FFF2-40B4-BE49-F238E27FC236}">
+                <a16:creationId xmlns:a16="http://schemas.microsoft.com/office/drawing/2014/main" id="{04B77E7B-AC08-437C-9BA4-8438450A808A}"/>
+              </a:ext>
+            </a:extLst>
+          </p:cNvPr>
+          <p:cNvSpPr/>
+          <p:nvPr/>
+        </p:nvSpPr>
+        <p:spPr>
+          <a:xfrm>
+            <a:off x="7010496" y="4559709"/>
+            <a:ext cx="619433" cy="545689"/>
+          </a:xfrm>
+          <a:prstGeom prst="leftArrow">
+            <a:avLst>
+              <a:gd name="adj1" fmla="val 50000"/>
+              <a:gd name="adj2" fmla="val 77027"/>
+            </a:avLst>
+          </a:prstGeom>
+          <a:solidFill>
+            <a:srgbClr val="0070C0"/>
+          </a:solidFill>
+          <a:ln>
+            <a:noFill/>
+          </a:ln>
+        </p:spPr>
+        <p:style>
+          <a:lnRef idx="2">
+            <a:schemeClr val="accent1">
+              <a:shade val="50000"/>
+            </a:schemeClr>
+          </a:lnRef>
+          <a:fillRef idx="1">
+            <a:schemeClr val="accent1"/>
+          </a:fillRef>
+          <a:effectRef idx="0">
+            <a:schemeClr val="accent1"/>
+          </a:effectRef>
+          <a:fontRef idx="minor">
+            <a:schemeClr val="lt1"/>
+          </a:fontRef>
+        </p:style>
+        <p:txBody>
+          <a:bodyPr rtlCol="0" anchor="ctr"/>
+          <a:lstStyle/>
+          <a:p>
+            <a:pPr algn="ctr"/>
+            <a:endParaRPr lang="zh-CN" altLang="en-US"/>
+          </a:p>
+        </p:txBody>
+      </p:sp>
+      <p:sp>
+        <p:nvSpPr>
+          <p:cNvPr id="16" name="六边形 15">
+            <a:extLst>
+              <a:ext uri="{FF2B5EF4-FFF2-40B4-BE49-F238E27FC236}">
+                <a16:creationId xmlns:a16="http://schemas.microsoft.com/office/drawing/2014/main" id="{70F9E3D7-7351-4FD9-88C2-D3240054FBFB}"/>
+              </a:ext>
+            </a:extLst>
+          </p:cNvPr>
+          <p:cNvSpPr/>
+          <p:nvPr/>
+        </p:nvSpPr>
+        <p:spPr>
+          <a:xfrm rot="5400000">
+            <a:off x="1693559" y="4581667"/>
+            <a:ext cx="1755144" cy="1513055"/>
+          </a:xfrm>
+          <a:prstGeom prst="hexagon">
+            <a:avLst/>
+          </a:prstGeom>
+          <a:solidFill>
+            <a:schemeClr val="accent6">
+              <a:lumMod val="40000"/>
+              <a:lumOff val="60000"/>
+            </a:schemeClr>
+          </a:solidFill>
+          <a:ln>
+            <a:solidFill>
+              <a:srgbClr val="92D050"/>
+            </a:solidFill>
+          </a:ln>
+        </p:spPr>
+        <p:style>
+          <a:lnRef idx="2">
+            <a:schemeClr val="accent1">
+              <a:shade val="50000"/>
+            </a:schemeClr>
+          </a:lnRef>
+          <a:fillRef idx="1">
+            <a:schemeClr val="accent1"/>
+          </a:fillRef>
+          <a:effectRef idx="0">
+            <a:schemeClr val="accent1"/>
+          </a:effectRef>
+          <a:fontRef idx="minor">
+            <a:schemeClr val="lt1"/>
+          </a:fontRef>
+        </p:style>
+        <p:txBody>
+          <a:bodyPr rtlCol="0" anchor="ctr"/>
+          <a:lstStyle/>
+          <a:p>
+            <a:pPr algn="ctr"/>
+            <a:endParaRPr lang="zh-CN" altLang="en-US"/>
+          </a:p>
+        </p:txBody>
+      </p:sp>
+      <p:sp>
+        <p:nvSpPr>
+          <p:cNvPr id="17" name="等腰三角形 16">
+            <a:extLst>
+              <a:ext uri="{FF2B5EF4-FFF2-40B4-BE49-F238E27FC236}">
+                <a16:creationId xmlns:a16="http://schemas.microsoft.com/office/drawing/2014/main" id="{ACDA8FBD-8D8D-4A91-A7B5-45F291FE6617}"/>
+              </a:ext>
+            </a:extLst>
+          </p:cNvPr>
+          <p:cNvSpPr/>
+          <p:nvPr/>
+        </p:nvSpPr>
+        <p:spPr>
+          <a:xfrm rot="12405231">
+            <a:off x="2334326" y="4634437"/>
+            <a:ext cx="853703" cy="779698"/>
+          </a:xfrm>
+          <a:prstGeom prst="triangle">
+            <a:avLst/>
+          </a:prstGeom>
+          <a:solidFill>
+            <a:schemeClr val="accent6">
+              <a:lumMod val="60000"/>
+              <a:lumOff val="40000"/>
+            </a:schemeClr>
+          </a:solidFill>
+          <a:ln>
+            <a:solidFill>
+              <a:schemeClr val="accent6">
+                <a:lumMod val="60000"/>
+                <a:lumOff val="40000"/>
+              </a:schemeClr>
+            </a:solidFill>
+          </a:ln>
+        </p:spPr>
+        <p:style>
+          <a:lnRef idx="2">
+            <a:schemeClr val="accent1">
+              <a:shade val="50000"/>
+            </a:schemeClr>
+          </a:lnRef>
+          <a:fillRef idx="1">
+            <a:schemeClr val="accent1"/>
+          </a:fillRef>
+          <a:effectRef idx="0">
+            <a:schemeClr val="accent1"/>
+          </a:effectRef>
+          <a:fontRef idx="minor">
+            <a:schemeClr val="lt1"/>
+          </a:fontRef>
+        </p:style>
+        <p:txBody>
+          <a:bodyPr rtlCol="0" anchor="ctr"/>
+          <a:lstStyle/>
+          <a:p>
+            <a:pPr algn="ctr"/>
+            <a:endParaRPr lang="zh-CN" altLang="en-US"/>
+          </a:p>
+        </p:txBody>
+      </p:sp>
+    </p:spTree>
+    <p:extLst>
+      <p:ext uri="{BB962C8B-B14F-4D97-AF65-F5344CB8AC3E}">
+        <p14:creationId xmlns:p14="http://schemas.microsoft.com/office/powerpoint/2010/main" val="3469999668"/>
+      </p:ext>
+    </p:extLst>
+  </p:cSld>
+  <p:clrMapOvr>
+    <a:masterClrMapping/>
+  </p:clrMapOvr>
+</p:sld>
+</file>
+
+<file path=ppt/slides/slide4.xml><?xml version="1.0" encoding="utf-8"?>
+<p:sld xmlns:a="http://schemas.openxmlformats.org/drawingml/2006/main" xmlns:r="http://schemas.openxmlformats.org/officeDocument/2006/relationships" xmlns:p="http://schemas.openxmlformats.org/presentationml/2006/main">
+  <p:cSld>
+    <p:spTree>
+      <p:nvGrpSpPr>
+        <p:cNvPr id="1" name=""/>
+        <p:cNvGrpSpPr/>
+        <p:nvPr/>
+      </p:nvGrpSpPr>
+      <p:grpSpPr>
+        <a:xfrm>
+          <a:off x="0" y="0"/>
+          <a:ext cx="0" cy="0"/>
+          <a:chOff x="0" y="0"/>
+          <a:chExt cx="0" cy="0"/>
+        </a:xfrm>
+      </p:grpSpPr>
+      <p:pic>
+        <p:nvPicPr>
+          <p:cNvPr id="18" name="图片 17">
+            <a:extLst>
+              <a:ext uri="{FF2B5EF4-FFF2-40B4-BE49-F238E27FC236}">
+                <a16:creationId xmlns:a16="http://schemas.microsoft.com/office/drawing/2014/main" id="{B39C6F56-2271-4401-BE1A-522333901903}"/>
+              </a:ext>
+            </a:extLst>
+          </p:cNvPr>
+          <p:cNvPicPr>
+            <a:picLocks noChangeAspect="1"/>
+          </p:cNvPicPr>
+          <p:nvPr/>
+        </p:nvPicPr>
+        <p:blipFill>
+          <a:blip r:embed="rId2">
+            <a:extLst>
+              <a:ext uri="{BEBA8EAE-BF5A-486C-A8C5-ECC9F3942E4B}">
+                <a14:imgProps xmlns:a14="http://schemas.microsoft.com/office/drawing/2010/main">
+                  <a14:imgLayer r:embed="rId3">
+                    <a14:imgEffect>
+                      <a14:artisticLineDrawing/>
+                    </a14:imgEffect>
+                  </a14:imgLayer>
+                </a14:imgProps>
+              </a:ext>
+            </a:extLst>
+          </a:blip>
+          <a:stretch>
+            <a:fillRect/>
+          </a:stretch>
+        </p:blipFill>
+        <p:spPr>
+          <a:xfrm>
+            <a:off x="1747128" y="-737420"/>
+            <a:ext cx="3615241" cy="3615241"/>
+          </a:xfrm>
+          <a:prstGeom prst="rect">
+            <a:avLst/>
+          </a:prstGeom>
+        </p:spPr>
+      </p:pic>
+      <p:pic>
+        <p:nvPicPr>
+          <p:cNvPr id="26" name="图片 25">
+            <a:extLst>
+              <a:ext uri="{FF2B5EF4-FFF2-40B4-BE49-F238E27FC236}">
+                <a16:creationId xmlns:a16="http://schemas.microsoft.com/office/drawing/2014/main" id="{D123DFD6-86AB-4CAF-A9CE-76D9CBC285F0}"/>
+              </a:ext>
+            </a:extLst>
+          </p:cNvPr>
+          <p:cNvPicPr>
+            <a:picLocks noChangeAspect="1"/>
+          </p:cNvPicPr>
+          <p:nvPr/>
+        </p:nvPicPr>
+        <p:blipFill>
+          <a:blip r:embed="rId4">
+            <a:extLst>
+              <a:ext uri="{BEBA8EAE-BF5A-486C-A8C5-ECC9F3942E4B}">
+                <a14:imgProps xmlns:a14="http://schemas.microsoft.com/office/drawing/2010/main">
+                  <a14:imgLayer r:embed="rId5">
+                    <a14:imgEffect>
+                      <a14:artisticLineDrawing/>
+                    </a14:imgEffect>
+                  </a14:imgLayer>
+                </a14:imgProps>
+              </a:ext>
+            </a:extLst>
+          </a:blip>
+          <a:stretch>
+            <a:fillRect/>
+          </a:stretch>
+        </p:blipFill>
+        <p:spPr>
+          <a:xfrm>
+            <a:off x="9479812" y="1532889"/>
+            <a:ext cx="3615241" cy="3615241"/>
+          </a:xfrm>
+          <a:prstGeom prst="rect">
+            <a:avLst/>
+          </a:prstGeom>
+        </p:spPr>
+      </p:pic>
+      <p:pic>
+        <p:nvPicPr>
+          <p:cNvPr id="41" name="图片 40">
+            <a:extLst>
+              <a:ext uri="{FF2B5EF4-FFF2-40B4-BE49-F238E27FC236}">
+                <a16:creationId xmlns:a16="http://schemas.microsoft.com/office/drawing/2014/main" id="{8973E4CE-AF2F-40EC-9995-2358B693A80C}"/>
+              </a:ext>
+            </a:extLst>
+          </p:cNvPr>
+          <p:cNvPicPr>
+            <a:picLocks noChangeAspect="1"/>
+          </p:cNvPicPr>
+          <p:nvPr/>
+        </p:nvPicPr>
+        <p:blipFill>
+          <a:blip r:embed="rId6">
+            <a:extLst>
+              <a:ext uri="{BEBA8EAE-BF5A-486C-A8C5-ECC9F3942E4B}">
+                <a14:imgProps xmlns:a14="http://schemas.microsoft.com/office/drawing/2010/main">
+                  <a14:imgLayer r:embed="rId7">
+                    <a14:imgEffect>
+                      <a14:artisticLineDrawing/>
+                    </a14:imgEffect>
+                  </a14:imgLayer>
+                </a14:imgProps>
+              </a:ext>
+            </a:extLst>
+          </a:blip>
+          <a:stretch>
+            <a:fillRect/>
+          </a:stretch>
+        </p:blipFill>
+        <p:spPr>
+          <a:xfrm>
+            <a:off x="7827992" y="78657"/>
+            <a:ext cx="3615241" cy="3615241"/>
+          </a:xfrm>
+          <a:prstGeom prst="rect">
+            <a:avLst/>
+          </a:prstGeom>
+        </p:spPr>
+      </p:pic>
+      <p:pic>
+        <p:nvPicPr>
+          <p:cNvPr id="51" name="图片 50">
+            <a:extLst>
+              <a:ext uri="{FF2B5EF4-FFF2-40B4-BE49-F238E27FC236}">
+                <a16:creationId xmlns:a16="http://schemas.microsoft.com/office/drawing/2014/main" id="{247625FF-C37B-4534-B915-FBC21DB60089}"/>
+              </a:ext>
+            </a:extLst>
+          </p:cNvPr>
+          <p:cNvPicPr>
+            <a:picLocks noChangeAspect="1"/>
+          </p:cNvPicPr>
+          <p:nvPr/>
+        </p:nvPicPr>
+        <p:blipFill>
+          <a:blip r:embed="rId8">
+            <a:extLst>
+              <a:ext uri="{BEBA8EAE-BF5A-486C-A8C5-ECC9F3942E4B}">
+                <a14:imgProps xmlns:a14="http://schemas.microsoft.com/office/drawing/2010/main">
+                  <a14:imgLayer r:embed="rId9">
+                    <a14:imgEffect>
+                      <a14:artisticLineDrawing/>
+                    </a14:imgEffect>
+                  </a14:imgLayer>
+                </a14:imgProps>
+              </a:ext>
+            </a:extLst>
+          </a:blip>
+          <a:stretch>
+            <a:fillRect/>
+          </a:stretch>
+        </p:blipFill>
+        <p:spPr>
+          <a:xfrm>
+            <a:off x="597511" y="364939"/>
+            <a:ext cx="3609145" cy="3615241"/>
+          </a:xfrm>
+          <a:prstGeom prst="rect">
+            <a:avLst/>
+          </a:prstGeom>
+        </p:spPr>
+      </p:pic>
+      <p:pic>
+        <p:nvPicPr>
+          <p:cNvPr id="59" name="图片 58">
+            <a:extLst>
+              <a:ext uri="{FF2B5EF4-FFF2-40B4-BE49-F238E27FC236}">
+                <a16:creationId xmlns:a16="http://schemas.microsoft.com/office/drawing/2014/main" id="{DBB5327B-74B7-496F-A1F4-87BC38C48409}"/>
+              </a:ext>
+            </a:extLst>
+          </p:cNvPr>
+          <p:cNvPicPr>
+            <a:picLocks noChangeAspect="1"/>
+          </p:cNvPicPr>
+          <p:nvPr/>
+        </p:nvPicPr>
+        <p:blipFill>
+          <a:blip r:embed="rId10"/>
+          <a:stretch>
+            <a:fillRect/>
+          </a:stretch>
+        </p:blipFill>
+        <p:spPr>
+          <a:xfrm>
+            <a:off x="1478313" y="3106050"/>
+            <a:ext cx="3615241" cy="3615241"/>
+          </a:xfrm>
+          <a:prstGeom prst="rect">
+            <a:avLst/>
+          </a:prstGeom>
+        </p:spPr>
+      </p:pic>
+      <p:pic>
+        <p:nvPicPr>
+          <p:cNvPr id="61" name="图片 60">
+            <a:extLst>
+              <a:ext uri="{FF2B5EF4-FFF2-40B4-BE49-F238E27FC236}">
+                <a16:creationId xmlns:a16="http://schemas.microsoft.com/office/drawing/2014/main" id="{67C823AE-D753-4266-92EE-1E6783D5A38C}"/>
+              </a:ext>
+            </a:extLst>
+          </p:cNvPr>
+          <p:cNvPicPr>
+            <a:picLocks noChangeAspect="1"/>
+          </p:cNvPicPr>
+          <p:nvPr/>
+        </p:nvPicPr>
+        <p:blipFill>
+          <a:blip r:embed="rId11">
+            <a:extLst>
+              <a:ext uri="{BEBA8EAE-BF5A-486C-A8C5-ECC9F3942E4B}">
+                <a14:imgProps xmlns:a14="http://schemas.microsoft.com/office/drawing/2010/main">
+                  <a14:imgLayer r:embed="rId12">
+                    <a14:imgEffect>
+                      <a14:artisticLineDrawing/>
+                    </a14:imgEffect>
+                  </a14:imgLayer>
+                </a14:imgProps>
+              </a:ext>
+            </a:extLst>
+          </a:blip>
+          <a:stretch>
+            <a:fillRect/>
+          </a:stretch>
+        </p:blipFill>
+        <p:spPr>
+          <a:xfrm>
+            <a:off x="6672279" y="2877821"/>
+            <a:ext cx="3615241" cy="3615241"/>
+          </a:xfrm>
+          <a:prstGeom prst="rect">
+            <a:avLst/>
+          </a:prstGeom>
+        </p:spPr>
+      </p:pic>
+    </p:spTree>
+    <p:extLst>
+      <p:ext uri="{BB962C8B-B14F-4D97-AF65-F5344CB8AC3E}">
+        <p14:creationId xmlns:p14="http://schemas.microsoft.com/office/powerpoint/2010/main" val="3533680937"/>
+      </p:ext>
+    </p:extLst>
+  </p:cSld>
+  <p:clrMapOvr>
+    <a:masterClrMapping/>
+  </p:clrMapOvr>
+</p:sld>
+</file>
+
 <file path=ppt/theme/theme1.xml><?xml version="1.0" encoding="utf-8"?>
 <a:theme xmlns:a="http://schemas.openxmlformats.org/drawingml/2006/main" name="Office 主题​​">
   <a:themeElements>
